--- a/卒業論文/2016/鈴木博文/中間審査/1442068_鈴木博文_中間発表.pptx
+++ b/卒業論文/2016/鈴木博文/中間審査/1442068_鈴木博文_中間発表.pptx
@@ -208,7 +208,7 @@
           <a:p>
             <a:fld id="{59BDA4AD-8B91-401F-80F3-032CCA4852C5}" type="datetimeFigureOut">
               <a:rPr kumimoji="1" lang="ja-JP" altLang="en-US" smtClean="0"/>
-              <a:t>2017/10/6</a:t>
+              <a:t>2017/10/9</a:t>
             </a:fld>
             <a:endParaRPr kumimoji="1" lang="ja-JP" altLang="en-US"/>
           </a:p>
@@ -723,7 +723,7 @@
           <a:p>
             <a:fld id="{34E3704E-F03F-4AD7-81D5-3EDFBCFF4DF5}" type="datetimeFigureOut">
               <a:rPr kumimoji="1" lang="ja-JP" altLang="en-US" smtClean="0"/>
-              <a:t>2017/10/6</a:t>
+              <a:t>2017/10/9</a:t>
             </a:fld>
             <a:endParaRPr kumimoji="1" lang="ja-JP" altLang="en-US" dirty="0"/>
           </a:p>
@@ -925,7 +925,7 @@
           <a:p>
             <a:fld id="{34E3704E-F03F-4AD7-81D5-3EDFBCFF4DF5}" type="datetimeFigureOut">
               <a:rPr kumimoji="1" lang="ja-JP" altLang="en-US" smtClean="0"/>
-              <a:t>2017/10/6</a:t>
+              <a:t>2017/10/9</a:t>
             </a:fld>
             <a:endParaRPr kumimoji="1" lang="ja-JP" altLang="en-US" dirty="0"/>
           </a:p>
@@ -1137,7 +1137,7 @@
           <a:p>
             <a:fld id="{34E3704E-F03F-4AD7-81D5-3EDFBCFF4DF5}" type="datetimeFigureOut">
               <a:rPr kumimoji="1" lang="ja-JP" altLang="en-US" smtClean="0"/>
-              <a:t>2017/10/6</a:t>
+              <a:t>2017/10/9</a:t>
             </a:fld>
             <a:endParaRPr kumimoji="1" lang="ja-JP" altLang="en-US" dirty="0"/>
           </a:p>
@@ -1339,7 +1339,7 @@
           <a:p>
             <a:fld id="{34E3704E-F03F-4AD7-81D5-3EDFBCFF4DF5}" type="datetimeFigureOut">
               <a:rPr kumimoji="1" lang="ja-JP" altLang="en-US" smtClean="0"/>
-              <a:t>2017/10/6</a:t>
+              <a:t>2017/10/9</a:t>
             </a:fld>
             <a:endParaRPr kumimoji="1" lang="ja-JP" altLang="en-US" dirty="0"/>
           </a:p>
@@ -1583,7 +1583,7 @@
           <a:p>
             <a:fld id="{34E3704E-F03F-4AD7-81D5-3EDFBCFF4DF5}" type="datetimeFigureOut">
               <a:rPr kumimoji="1" lang="ja-JP" altLang="en-US" smtClean="0"/>
-              <a:t>2017/10/6</a:t>
+              <a:t>2017/10/9</a:t>
             </a:fld>
             <a:endParaRPr kumimoji="1" lang="ja-JP" altLang="en-US" dirty="0"/>
           </a:p>
@@ -1879,7 +1879,7 @@
           <a:p>
             <a:fld id="{34E3704E-F03F-4AD7-81D5-3EDFBCFF4DF5}" type="datetimeFigureOut">
               <a:rPr kumimoji="1" lang="ja-JP" altLang="en-US" smtClean="0"/>
-              <a:t>2017/10/6</a:t>
+              <a:t>2017/10/9</a:t>
             </a:fld>
             <a:endParaRPr kumimoji="1" lang="ja-JP" altLang="en-US" dirty="0"/>
           </a:p>
@@ -2310,7 +2310,7 @@
           <a:p>
             <a:fld id="{34E3704E-F03F-4AD7-81D5-3EDFBCFF4DF5}" type="datetimeFigureOut">
               <a:rPr kumimoji="1" lang="ja-JP" altLang="en-US" smtClean="0"/>
-              <a:t>2017/10/6</a:t>
+              <a:t>2017/10/9</a:t>
             </a:fld>
             <a:endParaRPr kumimoji="1" lang="ja-JP" altLang="en-US" dirty="0"/>
           </a:p>
@@ -2428,7 +2428,7 @@
           <a:p>
             <a:fld id="{34E3704E-F03F-4AD7-81D5-3EDFBCFF4DF5}" type="datetimeFigureOut">
               <a:rPr kumimoji="1" lang="ja-JP" altLang="en-US" smtClean="0"/>
-              <a:t>2017/10/6</a:t>
+              <a:t>2017/10/9</a:t>
             </a:fld>
             <a:endParaRPr kumimoji="1" lang="ja-JP" altLang="en-US" dirty="0"/>
           </a:p>
@@ -2523,7 +2523,7 @@
           <a:p>
             <a:fld id="{34E3704E-F03F-4AD7-81D5-3EDFBCFF4DF5}" type="datetimeFigureOut">
               <a:rPr kumimoji="1" lang="ja-JP" altLang="en-US" smtClean="0"/>
-              <a:t>2017/10/6</a:t>
+              <a:t>2017/10/9</a:t>
             </a:fld>
             <a:endParaRPr kumimoji="1" lang="ja-JP" altLang="en-US" dirty="0"/>
           </a:p>
@@ -2832,7 +2832,7 @@
           <a:p>
             <a:fld id="{34E3704E-F03F-4AD7-81D5-3EDFBCFF4DF5}" type="datetimeFigureOut">
               <a:rPr kumimoji="1" lang="ja-JP" altLang="en-US" smtClean="0"/>
-              <a:t>2017/10/6</a:t>
+              <a:t>2017/10/9</a:t>
             </a:fld>
             <a:endParaRPr kumimoji="1" lang="ja-JP" altLang="en-US" dirty="0"/>
           </a:p>
@@ -3089,7 +3089,7 @@
           <a:p>
             <a:fld id="{34E3704E-F03F-4AD7-81D5-3EDFBCFF4DF5}" type="datetimeFigureOut">
               <a:rPr kumimoji="1" lang="ja-JP" altLang="en-US" smtClean="0"/>
-              <a:t>2017/10/6</a:t>
+              <a:t>2017/10/9</a:t>
             </a:fld>
             <a:endParaRPr kumimoji="1" lang="ja-JP" altLang="en-US" dirty="0"/>
           </a:p>
@@ -3334,7 +3334,7 @@
           <a:p>
             <a:fld id="{34E3704E-F03F-4AD7-81D5-3EDFBCFF4DF5}" type="datetimeFigureOut">
               <a:rPr kumimoji="1" lang="ja-JP" altLang="en-US" smtClean="0"/>
-              <a:t>2017/10/6</a:t>
+              <a:t>2017/10/9</a:t>
             </a:fld>
             <a:endParaRPr kumimoji="1" lang="ja-JP" altLang="en-US" dirty="0"/>
           </a:p>
@@ -4189,14 +4189,7 @@
                 <a:latin typeface="小塚ゴシック Pro M" panose="020B0700000000000000" pitchFamily="34" charset="-128"/>
                 <a:ea typeface="小塚ゴシック Pro M" panose="020B0700000000000000" pitchFamily="34" charset="-128"/>
               </a:rPr>
-              <a:t>　</a:t>
-            </a:r>
-            <a:r>
-              <a:rPr kumimoji="1" lang="ja-JP" altLang="en-US" sz="4000" dirty="0" smtClean="0">
-                <a:latin typeface="小塚ゴシック Pro M" panose="020B0700000000000000" pitchFamily="34" charset="-128"/>
-                <a:ea typeface="小塚ゴシック Pro M" panose="020B0700000000000000" pitchFamily="34" charset="-128"/>
-              </a:rPr>
-              <a:t>鈴木 博文</a:t>
+              <a:t>　鈴木 博文</a:t>
             </a:r>
             <a:endParaRPr kumimoji="1" lang="ja-JP" altLang="en-US" sz="4000" dirty="0">
               <a:latin typeface="小塚ゴシック Pro M" panose="020B0700000000000000" pitchFamily="34" charset="-128"/>
@@ -4284,7 +4277,7 @@
         <p:spPr>
           <a:xfrm>
             <a:off x="986453" y="27634485"/>
-            <a:ext cx="13069544" cy="2308324"/>
+            <a:ext cx="15223920" cy="2308324"/>
           </a:xfrm>
           <a:prstGeom prst="rect">
             <a:avLst/>
@@ -4376,7 +4369,21 @@
                 <a:latin typeface="小塚ゴシック Pro R" panose="020B0400000000000000" pitchFamily="34" charset="-128"/>
                 <a:ea typeface="小塚ゴシック Pro R" panose="020B0400000000000000" pitchFamily="34" charset="-128"/>
               </a:rPr>
-              <a:t> 利点・難点をまとめ，学科内で利用する方法を書き出す。</a:t>
+              <a:t> 利点・難点をまとめ</a:t>
+            </a:r>
+            <a:r>
+              <a:rPr lang="ja-JP" altLang="en-US" sz="3200" dirty="0" smtClean="0">
+                <a:latin typeface="小塚ゴシック Pro R" panose="020B0400000000000000" pitchFamily="34" charset="-128"/>
+                <a:ea typeface="小塚ゴシック Pro R" panose="020B0400000000000000" pitchFamily="34" charset="-128"/>
+              </a:rPr>
+              <a:t>，研究室のような小規模組織で</a:t>
+            </a:r>
+            <a:r>
+              <a:rPr lang="ja-JP" altLang="en-US" sz="3200" dirty="0" smtClean="0">
+                <a:latin typeface="小塚ゴシック Pro R" panose="020B0400000000000000" pitchFamily="34" charset="-128"/>
+                <a:ea typeface="小塚ゴシック Pro R" panose="020B0400000000000000" pitchFamily="34" charset="-128"/>
+              </a:rPr>
+              <a:t>利用する方法を書き出す。</a:t>
             </a:r>
             <a:endParaRPr lang="ja-JP" altLang="en-US" sz="3200" dirty="0">
               <a:latin typeface="小塚ゴシック Pro R" panose="020B0400000000000000" pitchFamily="34" charset="-128"/>
@@ -4394,9 +4401,9 @@
         <p:grpSpPr>
           <a:xfrm>
             <a:off x="15119213" y="29777197"/>
-            <a:ext cx="6062676" cy="352013"/>
+            <a:ext cx="6062676" cy="406605"/>
             <a:chOff x="13169510" y="29875492"/>
-            <a:chExt cx="6062676" cy="352013"/>
+            <a:chExt cx="6062676" cy="406605"/>
           </a:xfrm>
         </p:grpSpPr>
         <p:sp>
@@ -4407,7 +4414,7 @@
           </p:nvSpPr>
           <p:spPr>
             <a:xfrm>
-              <a:off x="13169510" y="29888951"/>
+              <a:off x="13169510" y="29943543"/>
               <a:ext cx="4633070" cy="338554"/>
             </a:xfrm>
             <a:prstGeom prst="rect">
@@ -7571,7 +7578,14 @@
                 <a:latin typeface="小塚ゴシック Pro R" panose="020B0400000000000000" pitchFamily="34" charset="-128"/>
                 <a:ea typeface="小塚ゴシック Pro R" panose="020B0400000000000000" pitchFamily="34" charset="-128"/>
               </a:rPr>
-              <a:t>ブロックチェーン技術を</a:t>
+              <a:t>ブロックチェーン技術</a:t>
+            </a:r>
+            <a:r>
+              <a:rPr lang="ja-JP" altLang="en-US" sz="3200" dirty="0" smtClean="0">
+                <a:latin typeface="小塚ゴシック Pro R" panose="020B0400000000000000" pitchFamily="34" charset="-128"/>
+                <a:ea typeface="小塚ゴシック Pro R" panose="020B0400000000000000" pitchFamily="34" charset="-128"/>
+              </a:rPr>
+              <a:t>を</a:t>
             </a:r>
             <a:r>
               <a:rPr lang="en-US" altLang="ja-JP" sz="3200" dirty="0" smtClean="0">
@@ -7585,7 +7599,14 @@
                 <a:latin typeface="小塚ゴシック Pro R" panose="020B0400000000000000" pitchFamily="34" charset="-128"/>
                 <a:ea typeface="小塚ゴシック Pro R" panose="020B0400000000000000" pitchFamily="34" charset="-128"/>
               </a:rPr>
-              <a:t>に応用した際に　　得られる利点・難点をまとめる。</a:t>
+              <a:t>に</a:t>
+            </a:r>
+            <a:r>
+              <a:rPr lang="ja-JP" altLang="en-US" sz="3200" dirty="0" smtClean="0">
+                <a:latin typeface="小塚ゴシック Pro R" panose="020B0400000000000000" pitchFamily="34" charset="-128"/>
+                <a:ea typeface="小塚ゴシック Pro R" panose="020B0400000000000000" pitchFamily="34" charset="-128"/>
+              </a:rPr>
+              <a:t>応用した際に　　得られる利点・難点をまとめる。</a:t>
             </a:r>
             <a:endParaRPr lang="en-US" altLang="ja-JP" sz="3200" dirty="0" smtClean="0">
               <a:latin typeface="小塚ゴシック Pro R" panose="020B0400000000000000" pitchFamily="34" charset="-128"/>
@@ -8785,8 +8806,8 @@
         </p:nvSpPr>
         <p:spPr>
           <a:xfrm>
-            <a:off x="348203" y="10633836"/>
-            <a:ext cx="12975762" cy="1904924"/>
+            <a:off x="603191" y="10524651"/>
+            <a:ext cx="11691830" cy="2197368"/>
           </a:xfrm>
           <a:prstGeom prst="roundRect">
             <a:avLst/>
@@ -8835,17 +8856,7 @@
                 <a:latin typeface="小塚ゴシック Pro R" panose="020B0400000000000000" pitchFamily="34" charset="-128"/>
                 <a:ea typeface="小塚ゴシック Pro R" panose="020B0400000000000000" pitchFamily="34" charset="-128"/>
               </a:rPr>
-              <a:t>マネジメントの応用例を</a:t>
-            </a:r>
-            <a:r>
-              <a:rPr lang="en-US" altLang="ja-JP" sz="3200" dirty="0" smtClean="0">
-                <a:solidFill>
-                  <a:sysClr val="windowText" lastClr="000000"/>
-                </a:solidFill>
-                <a:latin typeface="小塚ゴシック Pro R" panose="020B0400000000000000" pitchFamily="34" charset="-128"/>
-                <a:ea typeface="小塚ゴシック Pro R" panose="020B0400000000000000" pitchFamily="34" charset="-128"/>
-              </a:rPr>
-              <a:t>PM</a:t>
+              <a:t>マネジメントの応用例</a:t>
             </a:r>
             <a:r>
               <a:rPr lang="ja-JP" altLang="en-US" sz="3200" dirty="0" smtClean="0">
@@ -8855,7 +8866,57 @@
                 <a:latin typeface="小塚ゴシック Pro R" panose="020B0400000000000000" pitchFamily="34" charset="-128"/>
                 <a:ea typeface="小塚ゴシック Pro R" panose="020B0400000000000000" pitchFamily="34" charset="-128"/>
               </a:rPr>
-              <a:t>学科で利用する利点・難点を調査する。</a:t>
+              <a:t>を</a:t>
+            </a:r>
+            <a:r>
+              <a:rPr lang="ja-JP" altLang="en-US" sz="3200" dirty="0">
+                <a:solidFill>
+                  <a:sysClr val="windowText" lastClr="000000"/>
+                </a:solidFill>
+                <a:latin typeface="小塚ゴシック Pro R" panose="020B0400000000000000" pitchFamily="34" charset="-128"/>
+                <a:ea typeface="小塚ゴシック Pro R" panose="020B0400000000000000" pitchFamily="34" charset="-128"/>
+              </a:rPr>
+              <a:t>研究室の</a:t>
+            </a:r>
+            <a:r>
+              <a:rPr lang="ja-JP" altLang="en-US" sz="3200" dirty="0" smtClean="0">
+                <a:solidFill>
+                  <a:sysClr val="windowText" lastClr="000000"/>
+                </a:solidFill>
+                <a:latin typeface="小塚ゴシック Pro R" panose="020B0400000000000000" pitchFamily="34" charset="-128"/>
+                <a:ea typeface="小塚ゴシック Pro R" panose="020B0400000000000000" pitchFamily="34" charset="-128"/>
+              </a:rPr>
+              <a:t>ような小規模</a:t>
+            </a:r>
+            <a:r>
+              <a:rPr lang="ja-JP" altLang="en-US" sz="3200" dirty="0">
+                <a:solidFill>
+                  <a:sysClr val="windowText" lastClr="000000"/>
+                </a:solidFill>
+                <a:latin typeface="小塚ゴシック Pro R" panose="020B0400000000000000" pitchFamily="34" charset="-128"/>
+                <a:ea typeface="小塚ゴシック Pro R" panose="020B0400000000000000" pitchFamily="34" charset="-128"/>
+              </a:rPr>
+              <a:t>組織</a:t>
+            </a:r>
+            <a:r>
+              <a:rPr lang="ja-JP" altLang="en-US" sz="3200" dirty="0" smtClean="0">
+                <a:solidFill>
+                  <a:sysClr val="windowText" lastClr="000000"/>
+                </a:solidFill>
+                <a:latin typeface="小塚ゴシック Pro R" panose="020B0400000000000000" pitchFamily="34" charset="-128"/>
+                <a:ea typeface="小塚ゴシック Pro R" panose="020B0400000000000000" pitchFamily="34" charset="-128"/>
+              </a:rPr>
+              <a:t>で　　　　　利用</a:t>
+            </a:r>
+            <a:r>
+              <a:rPr lang="ja-JP" altLang="en-US" sz="3200" dirty="0" smtClean="0">
+                <a:solidFill>
+                  <a:sysClr val="windowText" lastClr="000000"/>
+                </a:solidFill>
+                <a:latin typeface="小塚ゴシック Pro R" panose="020B0400000000000000" pitchFamily="34" charset="-128"/>
+                <a:ea typeface="小塚ゴシック Pro R" panose="020B0400000000000000" pitchFamily="34" charset="-128"/>
+              </a:rPr>
+              <a:t>する利点・難点を調査する。</a:t>
             </a:r>
             <a:endParaRPr lang="en-US" altLang="ja-JP" sz="3200" dirty="0" smtClean="0">
               <a:solidFill>
@@ -8931,8 +8992,8 @@
         </p:nvSpPr>
         <p:spPr>
           <a:xfrm>
-            <a:off x="13674859" y="10640481"/>
-            <a:ext cx="7447742" cy="1904924"/>
+            <a:off x="13362738" y="10520913"/>
+            <a:ext cx="7447742" cy="2201106"/>
           </a:xfrm>
           <a:prstGeom prst="roundRect">
             <a:avLst/>
@@ -9021,7 +9082,7 @@
         </p:nvSpPr>
         <p:spPr>
           <a:xfrm rot="5400000">
-            <a:off x="13138549" y="11219014"/>
+            <a:off x="12452497" y="11219015"/>
             <a:ext cx="867518" cy="747861"/>
           </a:xfrm>
           <a:prstGeom prst="triangle">
@@ -9532,7 +9593,7 @@
         </p:blipFill>
         <p:spPr>
           <a:xfrm rot="21411220">
-            <a:off x="14650951" y="27136424"/>
+            <a:off x="15802129" y="27045718"/>
             <a:ext cx="4201534" cy="2801023"/>
           </a:xfrm>
           <a:prstGeom prst="rect">

--- a/卒業論文/2016/鈴木博文/中間審査/1442068_鈴木博文_中間発表.pptx
+++ b/卒業論文/2016/鈴木博文/中間審査/1442068_鈴木博文_中間発表.pptx
@@ -208,7 +208,7 @@
           <a:p>
             <a:fld id="{59BDA4AD-8B91-401F-80F3-032CCA4852C5}" type="datetimeFigureOut">
               <a:rPr kumimoji="1" lang="ja-JP" altLang="en-US" smtClean="0"/>
-              <a:t>2017/10/9</a:t>
+              <a:t>2017/10/11</a:t>
             </a:fld>
             <a:endParaRPr kumimoji="1" lang="ja-JP" altLang="en-US"/>
           </a:p>
@@ -723,7 +723,7 @@
           <a:p>
             <a:fld id="{34E3704E-F03F-4AD7-81D5-3EDFBCFF4DF5}" type="datetimeFigureOut">
               <a:rPr kumimoji="1" lang="ja-JP" altLang="en-US" smtClean="0"/>
-              <a:t>2017/10/9</a:t>
+              <a:t>2017/10/11</a:t>
             </a:fld>
             <a:endParaRPr kumimoji="1" lang="ja-JP" altLang="en-US" dirty="0"/>
           </a:p>
@@ -925,7 +925,7 @@
           <a:p>
             <a:fld id="{34E3704E-F03F-4AD7-81D5-3EDFBCFF4DF5}" type="datetimeFigureOut">
               <a:rPr kumimoji="1" lang="ja-JP" altLang="en-US" smtClean="0"/>
-              <a:t>2017/10/9</a:t>
+              <a:t>2017/10/11</a:t>
             </a:fld>
             <a:endParaRPr kumimoji="1" lang="ja-JP" altLang="en-US" dirty="0"/>
           </a:p>
@@ -1137,7 +1137,7 @@
           <a:p>
             <a:fld id="{34E3704E-F03F-4AD7-81D5-3EDFBCFF4DF5}" type="datetimeFigureOut">
               <a:rPr kumimoji="1" lang="ja-JP" altLang="en-US" smtClean="0"/>
-              <a:t>2017/10/9</a:t>
+              <a:t>2017/10/11</a:t>
             </a:fld>
             <a:endParaRPr kumimoji="1" lang="ja-JP" altLang="en-US" dirty="0"/>
           </a:p>
@@ -1339,7 +1339,7 @@
           <a:p>
             <a:fld id="{34E3704E-F03F-4AD7-81D5-3EDFBCFF4DF5}" type="datetimeFigureOut">
               <a:rPr kumimoji="1" lang="ja-JP" altLang="en-US" smtClean="0"/>
-              <a:t>2017/10/9</a:t>
+              <a:t>2017/10/11</a:t>
             </a:fld>
             <a:endParaRPr kumimoji="1" lang="ja-JP" altLang="en-US" dirty="0"/>
           </a:p>
@@ -1583,7 +1583,7 @@
           <a:p>
             <a:fld id="{34E3704E-F03F-4AD7-81D5-3EDFBCFF4DF5}" type="datetimeFigureOut">
               <a:rPr kumimoji="1" lang="ja-JP" altLang="en-US" smtClean="0"/>
-              <a:t>2017/10/9</a:t>
+              <a:t>2017/10/11</a:t>
             </a:fld>
             <a:endParaRPr kumimoji="1" lang="ja-JP" altLang="en-US" dirty="0"/>
           </a:p>
@@ -1879,7 +1879,7 @@
           <a:p>
             <a:fld id="{34E3704E-F03F-4AD7-81D5-3EDFBCFF4DF5}" type="datetimeFigureOut">
               <a:rPr kumimoji="1" lang="ja-JP" altLang="en-US" smtClean="0"/>
-              <a:t>2017/10/9</a:t>
+              <a:t>2017/10/11</a:t>
             </a:fld>
             <a:endParaRPr kumimoji="1" lang="ja-JP" altLang="en-US" dirty="0"/>
           </a:p>
@@ -2310,7 +2310,7 @@
           <a:p>
             <a:fld id="{34E3704E-F03F-4AD7-81D5-3EDFBCFF4DF5}" type="datetimeFigureOut">
               <a:rPr kumimoji="1" lang="ja-JP" altLang="en-US" smtClean="0"/>
-              <a:t>2017/10/9</a:t>
+              <a:t>2017/10/11</a:t>
             </a:fld>
             <a:endParaRPr kumimoji="1" lang="ja-JP" altLang="en-US" dirty="0"/>
           </a:p>
@@ -2428,7 +2428,7 @@
           <a:p>
             <a:fld id="{34E3704E-F03F-4AD7-81D5-3EDFBCFF4DF5}" type="datetimeFigureOut">
               <a:rPr kumimoji="1" lang="ja-JP" altLang="en-US" smtClean="0"/>
-              <a:t>2017/10/9</a:t>
+              <a:t>2017/10/11</a:t>
             </a:fld>
             <a:endParaRPr kumimoji="1" lang="ja-JP" altLang="en-US" dirty="0"/>
           </a:p>
@@ -2523,7 +2523,7 @@
           <a:p>
             <a:fld id="{34E3704E-F03F-4AD7-81D5-3EDFBCFF4DF5}" type="datetimeFigureOut">
               <a:rPr kumimoji="1" lang="ja-JP" altLang="en-US" smtClean="0"/>
-              <a:t>2017/10/9</a:t>
+              <a:t>2017/10/11</a:t>
             </a:fld>
             <a:endParaRPr kumimoji="1" lang="ja-JP" altLang="en-US" dirty="0"/>
           </a:p>
@@ -2832,7 +2832,7 @@
           <a:p>
             <a:fld id="{34E3704E-F03F-4AD7-81D5-3EDFBCFF4DF5}" type="datetimeFigureOut">
               <a:rPr kumimoji="1" lang="ja-JP" altLang="en-US" smtClean="0"/>
-              <a:t>2017/10/9</a:t>
+              <a:t>2017/10/11</a:t>
             </a:fld>
             <a:endParaRPr kumimoji="1" lang="ja-JP" altLang="en-US" dirty="0"/>
           </a:p>
@@ -3089,7 +3089,7 @@
           <a:p>
             <a:fld id="{34E3704E-F03F-4AD7-81D5-3EDFBCFF4DF5}" type="datetimeFigureOut">
               <a:rPr kumimoji="1" lang="ja-JP" altLang="en-US" smtClean="0"/>
-              <a:t>2017/10/9</a:t>
+              <a:t>2017/10/11</a:t>
             </a:fld>
             <a:endParaRPr kumimoji="1" lang="ja-JP" altLang="en-US" dirty="0"/>
           </a:p>
@@ -3334,7 +3334,7 @@
           <a:p>
             <a:fld id="{34E3704E-F03F-4AD7-81D5-3EDFBCFF4DF5}" type="datetimeFigureOut">
               <a:rPr kumimoji="1" lang="ja-JP" altLang="en-US" smtClean="0"/>
-              <a:t>2017/10/9</a:t>
+              <a:t>2017/10/11</a:t>
             </a:fld>
             <a:endParaRPr kumimoji="1" lang="ja-JP" altLang="en-US" dirty="0"/>
           </a:p>
@@ -4369,21 +4369,28 @@
                 <a:latin typeface="小塚ゴシック Pro R" panose="020B0400000000000000" pitchFamily="34" charset="-128"/>
                 <a:ea typeface="小塚ゴシック Pro R" panose="020B0400000000000000" pitchFamily="34" charset="-128"/>
               </a:rPr>
-              <a:t> 利点・難点をまとめ</a:t>
+              <a:t> 利点・難点をまとめ，研究室のような小規模組織で利用する方法</a:t>
             </a:r>
             <a:r>
               <a:rPr lang="ja-JP" altLang="en-US" sz="3200" dirty="0" smtClean="0">
                 <a:latin typeface="小塚ゴシック Pro R" panose="020B0400000000000000" pitchFamily="34" charset="-128"/>
                 <a:ea typeface="小塚ゴシック Pro R" panose="020B0400000000000000" pitchFamily="34" charset="-128"/>
               </a:rPr>
-              <a:t>，研究室のような小規模組織で</a:t>
+              <a:t>を</a:t>
+            </a:r>
+            <a:r>
+              <a:rPr lang="ja-JP" altLang="en-US" sz="3200" dirty="0">
+                <a:latin typeface="小塚ゴシック Pro R" panose="020B0400000000000000" pitchFamily="34" charset="-128"/>
+                <a:ea typeface="小塚ゴシック Pro R" panose="020B0400000000000000" pitchFamily="34" charset="-128"/>
+              </a:rPr>
+              <a:t>確立する</a:t>
             </a:r>
             <a:r>
               <a:rPr lang="ja-JP" altLang="en-US" sz="3200" dirty="0" smtClean="0">
                 <a:latin typeface="小塚ゴシック Pro R" panose="020B0400000000000000" pitchFamily="34" charset="-128"/>
                 <a:ea typeface="小塚ゴシック Pro R" panose="020B0400000000000000" pitchFamily="34" charset="-128"/>
               </a:rPr>
-              <a:t>利用する方法を書き出す。</a:t>
+              <a:t>。</a:t>
             </a:r>
             <a:endParaRPr lang="ja-JP" altLang="en-US" sz="3200" dirty="0">
               <a:latin typeface="小塚ゴシック Pro R" panose="020B0400000000000000" pitchFamily="34" charset="-128"/>
@@ -7578,35 +7585,21 @@
                 <a:latin typeface="小塚ゴシック Pro R" panose="020B0400000000000000" pitchFamily="34" charset="-128"/>
                 <a:ea typeface="小塚ゴシック Pro R" panose="020B0400000000000000" pitchFamily="34" charset="-128"/>
               </a:rPr>
-              <a:t>ブロックチェーン技術</a:t>
+              <a:t>ブロックチェーン技術を</a:t>
+            </a:r>
+            <a:r>
+              <a:rPr lang="en-US" altLang="ja-JP" sz="3200" dirty="0" smtClean="0">
+                <a:latin typeface="小塚ゴシック Pro R" panose="020B0400000000000000" pitchFamily="34" charset="-128"/>
+                <a:ea typeface="小塚ゴシック Pro R" panose="020B0400000000000000" pitchFamily="34" charset="-128"/>
+              </a:rPr>
+              <a:t>PM</a:t>
             </a:r>
             <a:r>
               <a:rPr lang="ja-JP" altLang="en-US" sz="3200" dirty="0" smtClean="0">
                 <a:latin typeface="小塚ゴシック Pro R" panose="020B0400000000000000" pitchFamily="34" charset="-128"/>
                 <a:ea typeface="小塚ゴシック Pro R" panose="020B0400000000000000" pitchFamily="34" charset="-128"/>
               </a:rPr>
-              <a:t>を</a:t>
-            </a:r>
-            <a:r>
-              <a:rPr lang="en-US" altLang="ja-JP" sz="3200" dirty="0" smtClean="0">
-                <a:latin typeface="小塚ゴシック Pro R" panose="020B0400000000000000" pitchFamily="34" charset="-128"/>
-                <a:ea typeface="小塚ゴシック Pro R" panose="020B0400000000000000" pitchFamily="34" charset="-128"/>
-              </a:rPr>
-              <a:t>PM</a:t>
-            </a:r>
-            <a:r>
-              <a:rPr lang="ja-JP" altLang="en-US" sz="3200" dirty="0" smtClean="0">
-                <a:latin typeface="小塚ゴシック Pro R" panose="020B0400000000000000" pitchFamily="34" charset="-128"/>
-                <a:ea typeface="小塚ゴシック Pro R" panose="020B0400000000000000" pitchFamily="34" charset="-128"/>
-              </a:rPr>
-              <a:t>に</a:t>
-            </a:r>
-            <a:r>
-              <a:rPr lang="ja-JP" altLang="en-US" sz="3200" dirty="0" smtClean="0">
-                <a:latin typeface="小塚ゴシック Pro R" panose="020B0400000000000000" pitchFamily="34" charset="-128"/>
-                <a:ea typeface="小塚ゴシック Pro R" panose="020B0400000000000000" pitchFamily="34" charset="-128"/>
-              </a:rPr>
-              <a:t>応用した際に　　得られる利点・難点をまとめる。</a:t>
+              <a:t>に応用した際に　　得られる利点・難点をまとめる。</a:t>
             </a:r>
             <a:endParaRPr lang="en-US" altLang="ja-JP" sz="3200" dirty="0" smtClean="0">
               <a:latin typeface="小塚ゴシック Pro R" panose="020B0400000000000000" pitchFamily="34" charset="-128"/>
@@ -8856,7 +8849,7 @@
                 <a:latin typeface="小塚ゴシック Pro R" panose="020B0400000000000000" pitchFamily="34" charset="-128"/>
                 <a:ea typeface="小塚ゴシック Pro R" panose="020B0400000000000000" pitchFamily="34" charset="-128"/>
               </a:rPr>
-              <a:t>マネジメントの応用例</a:t>
+              <a:t>マネジメント</a:t>
             </a:r>
             <a:r>
               <a:rPr lang="ja-JP" altLang="en-US" sz="3200" dirty="0" smtClean="0">
@@ -8866,7 +8859,7 @@
                 <a:latin typeface="小塚ゴシック Pro R" panose="020B0400000000000000" pitchFamily="34" charset="-128"/>
                 <a:ea typeface="小塚ゴシック Pro R" panose="020B0400000000000000" pitchFamily="34" charset="-128"/>
               </a:rPr>
-              <a:t>を</a:t>
+              <a:t>の</a:t>
             </a:r>
             <a:r>
               <a:rPr lang="ja-JP" altLang="en-US" sz="3200" dirty="0">
@@ -8876,7 +8869,7 @@
                 <a:latin typeface="小塚ゴシック Pro R" panose="020B0400000000000000" pitchFamily="34" charset="-128"/>
                 <a:ea typeface="小塚ゴシック Pro R" panose="020B0400000000000000" pitchFamily="34" charset="-128"/>
               </a:rPr>
-              <a:t>研究室の</a:t>
+              <a:t>応用例</a:t>
             </a:r>
             <a:r>
               <a:rPr lang="ja-JP" altLang="en-US" sz="3200" dirty="0" smtClean="0">
@@ -8886,7 +8879,17 @@
                 <a:latin typeface="小塚ゴシック Pro R" panose="020B0400000000000000" pitchFamily="34" charset="-128"/>
                 <a:ea typeface="小塚ゴシック Pro R" panose="020B0400000000000000" pitchFamily="34" charset="-128"/>
               </a:rPr>
-              <a:t>ような小規模</a:t>
+              <a:t>を実装し</a:t>
+            </a:r>
+            <a:r>
+              <a:rPr lang="ja-JP" altLang="en-US" sz="3200" dirty="0" smtClean="0">
+                <a:solidFill>
+                  <a:sysClr val="windowText" lastClr="000000"/>
+                </a:solidFill>
+                <a:latin typeface="小塚ゴシック Pro R" panose="020B0400000000000000" pitchFamily="34" charset="-128"/>
+                <a:ea typeface="小塚ゴシック Pro R" panose="020B0400000000000000" pitchFamily="34" charset="-128"/>
+              </a:rPr>
+              <a:t>研究室</a:t>
             </a:r>
             <a:r>
               <a:rPr lang="ja-JP" altLang="en-US" sz="3200" dirty="0">
@@ -8896,7 +8899,7 @@
                 <a:latin typeface="小塚ゴシック Pro R" panose="020B0400000000000000" pitchFamily="34" charset="-128"/>
                 <a:ea typeface="小塚ゴシック Pro R" panose="020B0400000000000000" pitchFamily="34" charset="-128"/>
               </a:rPr>
-              <a:t>組織</a:t>
+              <a:t>の</a:t>
             </a:r>
             <a:r>
               <a:rPr lang="ja-JP" altLang="en-US" sz="3200" dirty="0" smtClean="0">
@@ -8906,7 +8909,7 @@
                 <a:latin typeface="小塚ゴシック Pro R" panose="020B0400000000000000" pitchFamily="34" charset="-128"/>
                 <a:ea typeface="小塚ゴシック Pro R" panose="020B0400000000000000" pitchFamily="34" charset="-128"/>
               </a:rPr>
-              <a:t>で　　　　　利用</a:t>
+              <a:t>よう</a:t>
             </a:r>
             <a:r>
               <a:rPr lang="ja-JP" altLang="en-US" sz="3200" dirty="0" smtClean="0">
@@ -8916,7 +8919,47 @@
                 <a:latin typeface="小塚ゴシック Pro R" panose="020B0400000000000000" pitchFamily="34" charset="-128"/>
                 <a:ea typeface="小塚ゴシック Pro R" panose="020B0400000000000000" pitchFamily="34" charset="-128"/>
               </a:rPr>
-              <a:t>する利点・難点を調査する。</a:t>
+              <a:t>な　　　　　</a:t>
+            </a:r>
+            <a:r>
+              <a:rPr lang="ja-JP" altLang="en-US" sz="3200" dirty="0" smtClean="0">
+                <a:solidFill>
+                  <a:sysClr val="windowText" lastClr="000000"/>
+                </a:solidFill>
+                <a:latin typeface="小塚ゴシック Pro R" panose="020B0400000000000000" pitchFamily="34" charset="-128"/>
+                <a:ea typeface="小塚ゴシック Pro R" panose="020B0400000000000000" pitchFamily="34" charset="-128"/>
+              </a:rPr>
+              <a:t>小規模</a:t>
+            </a:r>
+            <a:r>
+              <a:rPr lang="ja-JP" altLang="en-US" sz="3200" dirty="0">
+                <a:solidFill>
+                  <a:sysClr val="windowText" lastClr="000000"/>
+                </a:solidFill>
+                <a:latin typeface="小塚ゴシック Pro R" panose="020B0400000000000000" pitchFamily="34" charset="-128"/>
+                <a:ea typeface="小塚ゴシック Pro R" panose="020B0400000000000000" pitchFamily="34" charset="-128"/>
+              </a:rPr>
+              <a:t>組織</a:t>
+            </a:r>
+            <a:r>
+              <a:rPr lang="ja-JP" altLang="en-US" sz="3200" dirty="0" smtClean="0">
+                <a:solidFill>
+                  <a:sysClr val="windowText" lastClr="000000"/>
+                </a:solidFill>
+                <a:latin typeface="小塚ゴシック Pro R" panose="020B0400000000000000" pitchFamily="34" charset="-128"/>
+                <a:ea typeface="小塚ゴシック Pro R" panose="020B0400000000000000" pitchFamily="34" charset="-128"/>
+              </a:rPr>
+              <a:t>で活用する</a:t>
+            </a:r>
+            <a:r>
+              <a:rPr lang="ja-JP" altLang="en-US" sz="3200" dirty="0" smtClean="0">
+                <a:solidFill>
+                  <a:sysClr val="windowText" lastClr="000000"/>
+                </a:solidFill>
+                <a:latin typeface="小塚ゴシック Pro R" panose="020B0400000000000000" pitchFamily="34" charset="-128"/>
+                <a:ea typeface="小塚ゴシック Pro R" panose="020B0400000000000000" pitchFamily="34" charset="-128"/>
+              </a:rPr>
+              <a:t>利点・難点を調査する。</a:t>
             </a:r>
             <a:endParaRPr lang="en-US" altLang="ja-JP" sz="3200" dirty="0" smtClean="0">
               <a:solidFill>

--- a/卒業論文/2016/鈴木博文/中間審査/1442068_鈴木博文_中間発表.pptx
+++ b/卒業論文/2016/鈴木博文/中間審査/1442068_鈴木博文_中間発表.pptx
@@ -208,7 +208,7 @@
           <a:p>
             <a:fld id="{59BDA4AD-8B91-401F-80F3-032CCA4852C5}" type="datetimeFigureOut">
               <a:rPr kumimoji="1" lang="ja-JP" altLang="en-US" smtClean="0"/>
-              <a:t>2017/10/11</a:t>
+              <a:t>2017/10/12</a:t>
             </a:fld>
             <a:endParaRPr kumimoji="1" lang="ja-JP" altLang="en-US"/>
           </a:p>
@@ -723,7 +723,7 @@
           <a:p>
             <a:fld id="{34E3704E-F03F-4AD7-81D5-3EDFBCFF4DF5}" type="datetimeFigureOut">
               <a:rPr kumimoji="1" lang="ja-JP" altLang="en-US" smtClean="0"/>
-              <a:t>2017/10/11</a:t>
+              <a:t>2017/10/12</a:t>
             </a:fld>
             <a:endParaRPr kumimoji="1" lang="ja-JP" altLang="en-US" dirty="0"/>
           </a:p>
@@ -925,7 +925,7 @@
           <a:p>
             <a:fld id="{34E3704E-F03F-4AD7-81D5-3EDFBCFF4DF5}" type="datetimeFigureOut">
               <a:rPr kumimoji="1" lang="ja-JP" altLang="en-US" smtClean="0"/>
-              <a:t>2017/10/11</a:t>
+              <a:t>2017/10/12</a:t>
             </a:fld>
             <a:endParaRPr kumimoji="1" lang="ja-JP" altLang="en-US" dirty="0"/>
           </a:p>
@@ -1137,7 +1137,7 @@
           <a:p>
             <a:fld id="{34E3704E-F03F-4AD7-81D5-3EDFBCFF4DF5}" type="datetimeFigureOut">
               <a:rPr kumimoji="1" lang="ja-JP" altLang="en-US" smtClean="0"/>
-              <a:t>2017/10/11</a:t>
+              <a:t>2017/10/12</a:t>
             </a:fld>
             <a:endParaRPr kumimoji="1" lang="ja-JP" altLang="en-US" dirty="0"/>
           </a:p>
@@ -1339,7 +1339,7 @@
           <a:p>
             <a:fld id="{34E3704E-F03F-4AD7-81D5-3EDFBCFF4DF5}" type="datetimeFigureOut">
               <a:rPr kumimoji="1" lang="ja-JP" altLang="en-US" smtClean="0"/>
-              <a:t>2017/10/11</a:t>
+              <a:t>2017/10/12</a:t>
             </a:fld>
             <a:endParaRPr kumimoji="1" lang="ja-JP" altLang="en-US" dirty="0"/>
           </a:p>
@@ -1583,7 +1583,7 @@
           <a:p>
             <a:fld id="{34E3704E-F03F-4AD7-81D5-3EDFBCFF4DF5}" type="datetimeFigureOut">
               <a:rPr kumimoji="1" lang="ja-JP" altLang="en-US" smtClean="0"/>
-              <a:t>2017/10/11</a:t>
+              <a:t>2017/10/12</a:t>
             </a:fld>
             <a:endParaRPr kumimoji="1" lang="ja-JP" altLang="en-US" dirty="0"/>
           </a:p>
@@ -1879,7 +1879,7 @@
           <a:p>
             <a:fld id="{34E3704E-F03F-4AD7-81D5-3EDFBCFF4DF5}" type="datetimeFigureOut">
               <a:rPr kumimoji="1" lang="ja-JP" altLang="en-US" smtClean="0"/>
-              <a:t>2017/10/11</a:t>
+              <a:t>2017/10/12</a:t>
             </a:fld>
             <a:endParaRPr kumimoji="1" lang="ja-JP" altLang="en-US" dirty="0"/>
           </a:p>
@@ -2310,7 +2310,7 @@
           <a:p>
             <a:fld id="{34E3704E-F03F-4AD7-81D5-3EDFBCFF4DF5}" type="datetimeFigureOut">
               <a:rPr kumimoji="1" lang="ja-JP" altLang="en-US" smtClean="0"/>
-              <a:t>2017/10/11</a:t>
+              <a:t>2017/10/12</a:t>
             </a:fld>
             <a:endParaRPr kumimoji="1" lang="ja-JP" altLang="en-US" dirty="0"/>
           </a:p>
@@ -2428,7 +2428,7 @@
           <a:p>
             <a:fld id="{34E3704E-F03F-4AD7-81D5-3EDFBCFF4DF5}" type="datetimeFigureOut">
               <a:rPr kumimoji="1" lang="ja-JP" altLang="en-US" smtClean="0"/>
-              <a:t>2017/10/11</a:t>
+              <a:t>2017/10/12</a:t>
             </a:fld>
             <a:endParaRPr kumimoji="1" lang="ja-JP" altLang="en-US" dirty="0"/>
           </a:p>
@@ -2523,7 +2523,7 @@
           <a:p>
             <a:fld id="{34E3704E-F03F-4AD7-81D5-3EDFBCFF4DF5}" type="datetimeFigureOut">
               <a:rPr kumimoji="1" lang="ja-JP" altLang="en-US" smtClean="0"/>
-              <a:t>2017/10/11</a:t>
+              <a:t>2017/10/12</a:t>
             </a:fld>
             <a:endParaRPr kumimoji="1" lang="ja-JP" altLang="en-US" dirty="0"/>
           </a:p>
@@ -2832,7 +2832,7 @@
           <a:p>
             <a:fld id="{34E3704E-F03F-4AD7-81D5-3EDFBCFF4DF5}" type="datetimeFigureOut">
               <a:rPr kumimoji="1" lang="ja-JP" altLang="en-US" smtClean="0"/>
-              <a:t>2017/10/11</a:t>
+              <a:t>2017/10/12</a:t>
             </a:fld>
             <a:endParaRPr kumimoji="1" lang="ja-JP" altLang="en-US" dirty="0"/>
           </a:p>
@@ -3089,7 +3089,7 @@
           <a:p>
             <a:fld id="{34E3704E-F03F-4AD7-81D5-3EDFBCFF4DF5}" type="datetimeFigureOut">
               <a:rPr kumimoji="1" lang="ja-JP" altLang="en-US" smtClean="0"/>
-              <a:t>2017/10/11</a:t>
+              <a:t>2017/10/12</a:t>
             </a:fld>
             <a:endParaRPr kumimoji="1" lang="ja-JP" altLang="en-US" dirty="0"/>
           </a:p>
@@ -3334,7 +3334,7 @@
           <a:p>
             <a:fld id="{34E3704E-F03F-4AD7-81D5-3EDFBCFF4DF5}" type="datetimeFigureOut">
               <a:rPr kumimoji="1" lang="ja-JP" altLang="en-US" smtClean="0"/>
-              <a:t>2017/10/11</a:t>
+              <a:t>2017/10/12</a:t>
             </a:fld>
             <a:endParaRPr kumimoji="1" lang="ja-JP" altLang="en-US" dirty="0"/>
           </a:p>
@@ -4369,14 +4369,7 @@
                 <a:latin typeface="小塚ゴシック Pro R" panose="020B0400000000000000" pitchFamily="34" charset="-128"/>
                 <a:ea typeface="小塚ゴシック Pro R" panose="020B0400000000000000" pitchFamily="34" charset="-128"/>
               </a:rPr>
-              <a:t> 利点・難点をまとめ，研究室のような小規模組織で利用する方法</a:t>
-            </a:r>
-            <a:r>
-              <a:rPr lang="ja-JP" altLang="en-US" sz="3200" dirty="0" smtClean="0">
-                <a:latin typeface="小塚ゴシック Pro R" panose="020B0400000000000000" pitchFamily="34" charset="-128"/>
-                <a:ea typeface="小塚ゴシック Pro R" panose="020B0400000000000000" pitchFamily="34" charset="-128"/>
-              </a:rPr>
-              <a:t>を</a:t>
+              <a:t> 利点・難点をまとめ，研究室のような小規模組織で利用する方法を</a:t>
             </a:r>
             <a:r>
               <a:rPr lang="ja-JP" altLang="en-US" sz="3200" dirty="0">
@@ -8849,7 +8842,17 @@
                 <a:latin typeface="小塚ゴシック Pro R" panose="020B0400000000000000" pitchFamily="34" charset="-128"/>
                 <a:ea typeface="小塚ゴシック Pro R" panose="020B0400000000000000" pitchFamily="34" charset="-128"/>
               </a:rPr>
-              <a:t>マネジメント</a:t>
+              <a:t>マネジメントの</a:t>
+            </a:r>
+            <a:r>
+              <a:rPr lang="ja-JP" altLang="en-US" sz="3200" dirty="0">
+                <a:solidFill>
+                  <a:sysClr val="windowText" lastClr="000000"/>
+                </a:solidFill>
+                <a:latin typeface="小塚ゴシック Pro R" panose="020B0400000000000000" pitchFamily="34" charset="-128"/>
+                <a:ea typeface="小塚ゴシック Pro R" panose="020B0400000000000000" pitchFamily="34" charset="-128"/>
+              </a:rPr>
+              <a:t>応用例</a:t>
             </a:r>
             <a:r>
               <a:rPr lang="ja-JP" altLang="en-US" sz="3200" dirty="0" smtClean="0">
@@ -8859,7 +8862,17 @@
                 <a:latin typeface="小塚ゴシック Pro R" panose="020B0400000000000000" pitchFamily="34" charset="-128"/>
                 <a:ea typeface="小塚ゴシック Pro R" panose="020B0400000000000000" pitchFamily="34" charset="-128"/>
               </a:rPr>
-              <a:t>の</a:t>
+              <a:t>を実装</a:t>
+            </a:r>
+            <a:r>
+              <a:rPr lang="ja-JP" altLang="en-US" sz="3200" dirty="0" smtClean="0">
+                <a:solidFill>
+                  <a:sysClr val="windowText" lastClr="000000"/>
+                </a:solidFill>
+                <a:latin typeface="小塚ゴシック Pro R" panose="020B0400000000000000" pitchFamily="34" charset="-128"/>
+                <a:ea typeface="小塚ゴシック Pro R" panose="020B0400000000000000" pitchFamily="34" charset="-128"/>
+              </a:rPr>
+              <a:t>し，研究室</a:t>
             </a:r>
             <a:r>
               <a:rPr lang="ja-JP" altLang="en-US" sz="3200" dirty="0">
@@ -8869,7 +8882,7 @@
                 <a:latin typeface="小塚ゴシック Pro R" panose="020B0400000000000000" pitchFamily="34" charset="-128"/>
                 <a:ea typeface="小塚ゴシック Pro R" panose="020B0400000000000000" pitchFamily="34" charset="-128"/>
               </a:rPr>
-              <a:t>応用例</a:t>
+              <a:t>の</a:t>
             </a:r>
             <a:r>
               <a:rPr lang="ja-JP" altLang="en-US" sz="3200" dirty="0" smtClean="0">
@@ -8879,7 +8892,17 @@
                 <a:latin typeface="小塚ゴシック Pro R" panose="020B0400000000000000" pitchFamily="34" charset="-128"/>
                 <a:ea typeface="小塚ゴシック Pro R" panose="020B0400000000000000" pitchFamily="34" charset="-128"/>
               </a:rPr>
-              <a:t>を実装し</a:t>
+              <a:t>ような　　　　　小規模</a:t>
+            </a:r>
+            <a:r>
+              <a:rPr lang="ja-JP" altLang="en-US" sz="3200" dirty="0">
+                <a:solidFill>
+                  <a:sysClr val="windowText" lastClr="000000"/>
+                </a:solidFill>
+                <a:latin typeface="小塚ゴシック Pro R" panose="020B0400000000000000" pitchFamily="34" charset="-128"/>
+                <a:ea typeface="小塚ゴシック Pro R" panose="020B0400000000000000" pitchFamily="34" charset="-128"/>
+              </a:rPr>
+              <a:t>組織</a:t>
             </a:r>
             <a:r>
               <a:rPr lang="ja-JP" altLang="en-US" sz="3200" dirty="0" smtClean="0">
@@ -8889,77 +8912,7 @@
                 <a:latin typeface="小塚ゴシック Pro R" panose="020B0400000000000000" pitchFamily="34" charset="-128"/>
                 <a:ea typeface="小塚ゴシック Pro R" panose="020B0400000000000000" pitchFamily="34" charset="-128"/>
               </a:rPr>
-              <a:t>研究室</a:t>
-            </a:r>
-            <a:r>
-              <a:rPr lang="ja-JP" altLang="en-US" sz="3200" dirty="0">
-                <a:solidFill>
-                  <a:sysClr val="windowText" lastClr="000000"/>
-                </a:solidFill>
-                <a:latin typeface="小塚ゴシック Pro R" panose="020B0400000000000000" pitchFamily="34" charset="-128"/>
-                <a:ea typeface="小塚ゴシック Pro R" panose="020B0400000000000000" pitchFamily="34" charset="-128"/>
-              </a:rPr>
-              <a:t>の</a:t>
-            </a:r>
-            <a:r>
-              <a:rPr lang="ja-JP" altLang="en-US" sz="3200" dirty="0" smtClean="0">
-                <a:solidFill>
-                  <a:sysClr val="windowText" lastClr="000000"/>
-                </a:solidFill>
-                <a:latin typeface="小塚ゴシック Pro R" panose="020B0400000000000000" pitchFamily="34" charset="-128"/>
-                <a:ea typeface="小塚ゴシック Pro R" panose="020B0400000000000000" pitchFamily="34" charset="-128"/>
-              </a:rPr>
-              <a:t>よう</a:t>
-            </a:r>
-            <a:r>
-              <a:rPr lang="ja-JP" altLang="en-US" sz="3200" dirty="0" smtClean="0">
-                <a:solidFill>
-                  <a:sysClr val="windowText" lastClr="000000"/>
-                </a:solidFill>
-                <a:latin typeface="小塚ゴシック Pro R" panose="020B0400000000000000" pitchFamily="34" charset="-128"/>
-                <a:ea typeface="小塚ゴシック Pro R" panose="020B0400000000000000" pitchFamily="34" charset="-128"/>
-              </a:rPr>
-              <a:t>な　　　　　</a:t>
-            </a:r>
-            <a:r>
-              <a:rPr lang="ja-JP" altLang="en-US" sz="3200" dirty="0" smtClean="0">
-                <a:solidFill>
-                  <a:sysClr val="windowText" lastClr="000000"/>
-                </a:solidFill>
-                <a:latin typeface="小塚ゴシック Pro R" panose="020B0400000000000000" pitchFamily="34" charset="-128"/>
-                <a:ea typeface="小塚ゴシック Pro R" panose="020B0400000000000000" pitchFamily="34" charset="-128"/>
-              </a:rPr>
-              <a:t>小規模</a:t>
-            </a:r>
-            <a:r>
-              <a:rPr lang="ja-JP" altLang="en-US" sz="3200" dirty="0">
-                <a:solidFill>
-                  <a:sysClr val="windowText" lastClr="000000"/>
-                </a:solidFill>
-                <a:latin typeface="小塚ゴシック Pro R" panose="020B0400000000000000" pitchFamily="34" charset="-128"/>
-                <a:ea typeface="小塚ゴシック Pro R" panose="020B0400000000000000" pitchFamily="34" charset="-128"/>
-              </a:rPr>
-              <a:t>組織</a:t>
-            </a:r>
-            <a:r>
-              <a:rPr lang="ja-JP" altLang="en-US" sz="3200" dirty="0" smtClean="0">
-                <a:solidFill>
-                  <a:sysClr val="windowText" lastClr="000000"/>
-                </a:solidFill>
-                <a:latin typeface="小塚ゴシック Pro R" panose="020B0400000000000000" pitchFamily="34" charset="-128"/>
-                <a:ea typeface="小塚ゴシック Pro R" panose="020B0400000000000000" pitchFamily="34" charset="-128"/>
-              </a:rPr>
-              <a:t>で活用する</a:t>
-            </a:r>
-            <a:r>
-              <a:rPr lang="ja-JP" altLang="en-US" sz="3200" dirty="0" smtClean="0">
-                <a:solidFill>
-                  <a:sysClr val="windowText" lastClr="000000"/>
-                </a:solidFill>
-                <a:latin typeface="小塚ゴシック Pro R" panose="020B0400000000000000" pitchFamily="34" charset="-128"/>
-                <a:ea typeface="小塚ゴシック Pro R" panose="020B0400000000000000" pitchFamily="34" charset="-128"/>
-              </a:rPr>
-              <a:t>利点・難点を調査する。</a:t>
+              <a:t>で活用する利点・難点を調査する。</a:t>
             </a:r>
             <a:endParaRPr lang="en-US" altLang="ja-JP" sz="3200" dirty="0" smtClean="0">
               <a:solidFill>

--- a/卒業論文/2016/鈴木博文/中間審査/1442068_鈴木博文_中間発表.pptx
+++ b/卒業論文/2016/鈴木博文/中間審査/1442068_鈴木博文_中間発表.pptx
@@ -8862,17 +8862,7 @@
                 <a:latin typeface="小塚ゴシック Pro R" panose="020B0400000000000000" pitchFamily="34" charset="-128"/>
                 <a:ea typeface="小塚ゴシック Pro R" panose="020B0400000000000000" pitchFamily="34" charset="-128"/>
               </a:rPr>
-              <a:t>を実装</a:t>
-            </a:r>
-            <a:r>
-              <a:rPr lang="ja-JP" altLang="en-US" sz="3200" dirty="0" smtClean="0">
-                <a:solidFill>
-                  <a:sysClr val="windowText" lastClr="000000"/>
-                </a:solidFill>
-                <a:latin typeface="小塚ゴシック Pro R" panose="020B0400000000000000" pitchFamily="34" charset="-128"/>
-                <a:ea typeface="小塚ゴシック Pro R" panose="020B0400000000000000" pitchFamily="34" charset="-128"/>
-              </a:rPr>
-              <a:t>し，研究室</a:t>
+              <a:t>を実装し，研究室</a:t>
             </a:r>
             <a:r>
               <a:rPr lang="ja-JP" altLang="en-US" sz="3200" dirty="0">
@@ -9589,7 +9579,7 @@
         </p:blipFill>
         <p:spPr>
           <a:xfrm rot="21411220">
-            <a:off x="15802129" y="27045718"/>
+            <a:off x="15857547" y="27045718"/>
             <a:ext cx="4201534" cy="2801023"/>
           </a:xfrm>
           <a:prstGeom prst="rect">
